--- a/구조.pptx
+++ b/구조.pptx
@@ -6,6 +6,7 @@
   </p:sldMasterIdLst>
   <p:sldIdLst>
     <p:sldId id="257" r:id="rId2"/>
+    <p:sldId id="258" r:id="rId3"/>
   </p:sldIdLst>
   <p:sldSz cx="12192000" cy="6858000"/>
   <p:notesSz cx="6858000" cy="9144000"/>
@@ -259,7 +260,7 @@
           <a:p>
             <a:fld id="{FA284390-7326-4446-9C7E-7C0EF089F4A8}" type="datetimeFigureOut">
               <a:rPr lang="ko-KR" altLang="en-US" smtClean="0"/>
-              <a:t>2022-10-08</a:t>
+              <a:t>2022-10-29</a:t>
             </a:fld>
             <a:endParaRPr lang="ko-KR" altLang="en-US"/>
           </a:p>
@@ -457,7 +458,7 @@
           <a:p>
             <a:fld id="{FA284390-7326-4446-9C7E-7C0EF089F4A8}" type="datetimeFigureOut">
               <a:rPr lang="ko-KR" altLang="en-US" smtClean="0"/>
-              <a:t>2022-10-08</a:t>
+              <a:t>2022-10-29</a:t>
             </a:fld>
             <a:endParaRPr lang="ko-KR" altLang="en-US"/>
           </a:p>
@@ -665,7 +666,7 @@
           <a:p>
             <a:fld id="{FA284390-7326-4446-9C7E-7C0EF089F4A8}" type="datetimeFigureOut">
               <a:rPr lang="ko-KR" altLang="en-US" smtClean="0"/>
-              <a:t>2022-10-08</a:t>
+              <a:t>2022-10-29</a:t>
             </a:fld>
             <a:endParaRPr lang="ko-KR" altLang="en-US"/>
           </a:p>
@@ -863,7 +864,7 @@
           <a:p>
             <a:fld id="{FA284390-7326-4446-9C7E-7C0EF089F4A8}" type="datetimeFigureOut">
               <a:rPr lang="ko-KR" altLang="en-US" smtClean="0"/>
-              <a:t>2022-10-08</a:t>
+              <a:t>2022-10-29</a:t>
             </a:fld>
             <a:endParaRPr lang="ko-KR" altLang="en-US"/>
           </a:p>
@@ -1138,7 +1139,7 @@
           <a:p>
             <a:fld id="{FA284390-7326-4446-9C7E-7C0EF089F4A8}" type="datetimeFigureOut">
               <a:rPr lang="ko-KR" altLang="en-US" smtClean="0"/>
-              <a:t>2022-10-08</a:t>
+              <a:t>2022-10-29</a:t>
             </a:fld>
             <a:endParaRPr lang="ko-KR" altLang="en-US"/>
           </a:p>
@@ -1403,7 +1404,7 @@
           <a:p>
             <a:fld id="{FA284390-7326-4446-9C7E-7C0EF089F4A8}" type="datetimeFigureOut">
               <a:rPr lang="ko-KR" altLang="en-US" smtClean="0"/>
-              <a:t>2022-10-08</a:t>
+              <a:t>2022-10-29</a:t>
             </a:fld>
             <a:endParaRPr lang="ko-KR" altLang="en-US"/>
           </a:p>
@@ -1815,7 +1816,7 @@
           <a:p>
             <a:fld id="{FA284390-7326-4446-9C7E-7C0EF089F4A8}" type="datetimeFigureOut">
               <a:rPr lang="ko-KR" altLang="en-US" smtClean="0"/>
-              <a:t>2022-10-08</a:t>
+              <a:t>2022-10-29</a:t>
             </a:fld>
             <a:endParaRPr lang="ko-KR" altLang="en-US"/>
           </a:p>
@@ -1956,7 +1957,7 @@
           <a:p>
             <a:fld id="{FA284390-7326-4446-9C7E-7C0EF089F4A8}" type="datetimeFigureOut">
               <a:rPr lang="ko-KR" altLang="en-US" smtClean="0"/>
-              <a:t>2022-10-08</a:t>
+              <a:t>2022-10-29</a:t>
             </a:fld>
             <a:endParaRPr lang="ko-KR" altLang="en-US"/>
           </a:p>
@@ -2069,7 +2070,7 @@
           <a:p>
             <a:fld id="{FA284390-7326-4446-9C7E-7C0EF089F4A8}" type="datetimeFigureOut">
               <a:rPr lang="ko-KR" altLang="en-US" smtClean="0"/>
-              <a:t>2022-10-08</a:t>
+              <a:t>2022-10-29</a:t>
             </a:fld>
             <a:endParaRPr lang="ko-KR" altLang="en-US"/>
           </a:p>
@@ -2380,7 +2381,7 @@
           <a:p>
             <a:fld id="{FA284390-7326-4446-9C7E-7C0EF089F4A8}" type="datetimeFigureOut">
               <a:rPr lang="ko-KR" altLang="en-US" smtClean="0"/>
-              <a:t>2022-10-08</a:t>
+              <a:t>2022-10-29</a:t>
             </a:fld>
             <a:endParaRPr lang="ko-KR" altLang="en-US"/>
           </a:p>
@@ -2668,7 +2669,7 @@
           <a:p>
             <a:fld id="{FA284390-7326-4446-9C7E-7C0EF089F4A8}" type="datetimeFigureOut">
               <a:rPr lang="ko-KR" altLang="en-US" smtClean="0"/>
-              <a:t>2022-10-08</a:t>
+              <a:t>2022-10-29</a:t>
             </a:fld>
             <a:endParaRPr lang="ko-KR" altLang="en-US"/>
           </a:p>
@@ -2909,7 +2910,7 @@
           <a:p>
             <a:fld id="{FA284390-7326-4446-9C7E-7C0EF089F4A8}" type="datetimeFigureOut">
               <a:rPr lang="ko-KR" altLang="en-US" smtClean="0"/>
-              <a:t>2022-10-08</a:t>
+              <a:t>2022-10-29</a:t>
             </a:fld>
             <a:endParaRPr lang="ko-KR" altLang="en-US"/>
           </a:p>
@@ -5198,6 +5199,1040 @@
     <p:extLst>
       <p:ext uri="{BB962C8B-B14F-4D97-AF65-F5344CB8AC3E}">
         <p14:creationId xmlns:p14="http://schemas.microsoft.com/office/powerpoint/2010/main" val="1715741232"/>
+      </p:ext>
+    </p:extLst>
+  </p:cSld>
+  <p:clrMapOvr>
+    <a:masterClrMapping/>
+  </p:clrMapOvr>
+</p:sld>
+</file>
+
+<file path=ppt/slides/slide2.xml><?xml version="1.0" encoding="utf-8"?>
+<p:sld xmlns:a="http://schemas.openxmlformats.org/drawingml/2006/main" xmlns:r="http://schemas.openxmlformats.org/officeDocument/2006/relationships" xmlns:p="http://schemas.openxmlformats.org/presentationml/2006/main">
+  <p:cSld>
+    <p:spTree>
+      <p:nvGrpSpPr>
+        <p:cNvPr id="1" name=""/>
+        <p:cNvGrpSpPr/>
+        <p:nvPr/>
+      </p:nvGrpSpPr>
+      <p:grpSpPr>
+        <a:xfrm>
+          <a:off x="0" y="0"/>
+          <a:ext cx="0" cy="0"/>
+          <a:chOff x="0" y="0"/>
+          <a:chExt cx="0" cy="0"/>
+        </a:xfrm>
+      </p:grpSpPr>
+      <p:sp>
+        <p:nvSpPr>
+          <p:cNvPr id="2" name="사각형: 둥근 모서리 1">
+            <a:extLst>
+              <a:ext uri="{FF2B5EF4-FFF2-40B4-BE49-F238E27FC236}">
+                <a16:creationId xmlns:a16="http://schemas.microsoft.com/office/drawing/2014/main" id="{ECFBC22B-E4B2-6560-68AF-D5F407A1685B}"/>
+              </a:ext>
+            </a:extLst>
+          </p:cNvPr>
+          <p:cNvSpPr/>
+          <p:nvPr/>
+        </p:nvSpPr>
+        <p:spPr>
+          <a:xfrm>
+            <a:off x="220136" y="959876"/>
+            <a:ext cx="1861039" cy="4475724"/>
+          </a:xfrm>
+          <a:prstGeom prst="roundRect">
+            <a:avLst>
+              <a:gd name="adj" fmla="val 4838"/>
+            </a:avLst>
+          </a:prstGeom>
+          <a:solidFill>
+            <a:schemeClr val="bg2"/>
+          </a:solidFill>
+        </p:spPr>
+        <p:style>
+          <a:lnRef idx="2">
+            <a:schemeClr val="accent1"/>
+          </a:lnRef>
+          <a:fillRef idx="1">
+            <a:schemeClr val="lt1"/>
+          </a:fillRef>
+          <a:effectRef idx="0">
+            <a:schemeClr val="accent1"/>
+          </a:effectRef>
+          <a:fontRef idx="minor">
+            <a:schemeClr val="dk1"/>
+          </a:fontRef>
+        </p:style>
+        <p:txBody>
+          <a:bodyPr lIns="0" tIns="0" rIns="0" bIns="0" rtlCol="0" anchor="ctr"/>
+          <a:lstStyle/>
+          <a:p>
+            <a:pPr algn="ctr"/>
+            <a:endParaRPr lang="ko-KR" altLang="en-US" sz="1000" dirty="0">
+              <a:latin typeface="맑은 고딕" panose="020B0503020000020004" pitchFamily="50" charset="-127"/>
+              <a:ea typeface="맑은 고딕" panose="020B0503020000020004" pitchFamily="50" charset="-127"/>
+            </a:endParaRPr>
+          </a:p>
+        </p:txBody>
+      </p:sp>
+      <p:sp>
+        <p:nvSpPr>
+          <p:cNvPr id="3" name="사각형: 둥근 모서리 2">
+            <a:extLst>
+              <a:ext uri="{FF2B5EF4-FFF2-40B4-BE49-F238E27FC236}">
+                <a16:creationId xmlns:a16="http://schemas.microsoft.com/office/drawing/2014/main" id="{8F5F75E6-7C94-FF39-A765-C97648C9CF0A}"/>
+              </a:ext>
+            </a:extLst>
+          </p:cNvPr>
+          <p:cNvSpPr/>
+          <p:nvPr/>
+        </p:nvSpPr>
+        <p:spPr>
+          <a:xfrm>
+            <a:off x="491004" y="4480304"/>
+            <a:ext cx="1367367" cy="503709"/>
+          </a:xfrm>
+          <a:prstGeom prst="roundRect">
+            <a:avLst>
+              <a:gd name="adj" fmla="val 4283"/>
+            </a:avLst>
+          </a:prstGeom>
+          <a:solidFill>
+            <a:schemeClr val="bg2"/>
+          </a:solidFill>
+        </p:spPr>
+        <p:style>
+          <a:lnRef idx="2">
+            <a:schemeClr val="accent1"/>
+          </a:lnRef>
+          <a:fillRef idx="1">
+            <a:schemeClr val="lt1"/>
+          </a:fillRef>
+          <a:effectRef idx="0">
+            <a:schemeClr val="accent1"/>
+          </a:effectRef>
+          <a:fontRef idx="minor">
+            <a:schemeClr val="dk1"/>
+          </a:fontRef>
+        </p:style>
+        <p:txBody>
+          <a:bodyPr lIns="0" tIns="0" rIns="0" bIns="0" rtlCol="0" anchor="ctr"/>
+          <a:lstStyle/>
+          <a:p>
+            <a:pPr algn="ctr"/>
+            <a:r>
+              <a:rPr lang="en-US" altLang="ko-KR" sz="900" dirty="0"/>
+              <a:t>app main()</a:t>
+            </a:r>
+            <a:endParaRPr lang="ko-KR" altLang="en-US" sz="900" dirty="0"/>
+          </a:p>
+        </p:txBody>
+      </p:sp>
+      <p:sp>
+        <p:nvSpPr>
+          <p:cNvPr id="4" name="사각형: 둥근 모서리 3">
+            <a:extLst>
+              <a:ext uri="{FF2B5EF4-FFF2-40B4-BE49-F238E27FC236}">
+                <a16:creationId xmlns:a16="http://schemas.microsoft.com/office/drawing/2014/main" id="{BB69916B-95F9-868F-8720-A448A7B3408E}"/>
+              </a:ext>
+            </a:extLst>
+          </p:cNvPr>
+          <p:cNvSpPr/>
+          <p:nvPr/>
+        </p:nvSpPr>
+        <p:spPr>
+          <a:xfrm>
+            <a:off x="491004" y="2248092"/>
+            <a:ext cx="1367367" cy="358531"/>
+          </a:xfrm>
+          <a:prstGeom prst="roundRect">
+            <a:avLst/>
+          </a:prstGeom>
+          <a:solidFill>
+            <a:schemeClr val="accent2">
+              <a:lumMod val="20000"/>
+              <a:lumOff val="80000"/>
+            </a:schemeClr>
+          </a:solidFill>
+        </p:spPr>
+        <p:style>
+          <a:lnRef idx="2">
+            <a:schemeClr val="accent1"/>
+          </a:lnRef>
+          <a:fillRef idx="1">
+            <a:schemeClr val="lt1"/>
+          </a:fillRef>
+          <a:effectRef idx="0">
+            <a:schemeClr val="accent1"/>
+          </a:effectRef>
+          <a:fontRef idx="minor">
+            <a:schemeClr val="dk1"/>
+          </a:fontRef>
+        </p:style>
+        <p:txBody>
+          <a:bodyPr lIns="0" tIns="0" rIns="0" bIns="0" rtlCol="0" anchor="ctr"/>
+          <a:lstStyle/>
+          <a:p>
+            <a:pPr algn="ctr"/>
+            <a:r>
+              <a:rPr lang="en-US" altLang="ko-KR" sz="900" dirty="0" err="1"/>
+              <a:t>sys.h</a:t>
+            </a:r>
+            <a:endParaRPr lang="ko-KR" altLang="en-US" sz="900" dirty="0"/>
+          </a:p>
+        </p:txBody>
+      </p:sp>
+      <p:sp>
+        <p:nvSpPr>
+          <p:cNvPr id="5" name="사각형: 둥근 모서리 4">
+            <a:extLst>
+              <a:ext uri="{FF2B5EF4-FFF2-40B4-BE49-F238E27FC236}">
+                <a16:creationId xmlns:a16="http://schemas.microsoft.com/office/drawing/2014/main" id="{16F3C57E-1DBE-F74C-95C6-F42AD2CF6D9D}"/>
+              </a:ext>
+            </a:extLst>
+          </p:cNvPr>
+          <p:cNvSpPr/>
+          <p:nvPr/>
+        </p:nvSpPr>
+        <p:spPr>
+          <a:xfrm>
+            <a:off x="491004" y="3070469"/>
+            <a:ext cx="1367367" cy="358531"/>
+          </a:xfrm>
+          <a:prstGeom prst="roundRect">
+            <a:avLst/>
+          </a:prstGeom>
+          <a:solidFill>
+            <a:schemeClr val="accent2">
+              <a:lumMod val="20000"/>
+              <a:lumOff val="80000"/>
+            </a:schemeClr>
+          </a:solidFill>
+        </p:spPr>
+        <p:style>
+          <a:lnRef idx="2">
+            <a:schemeClr val="accent1"/>
+          </a:lnRef>
+          <a:fillRef idx="1">
+            <a:schemeClr val="lt1"/>
+          </a:fillRef>
+          <a:effectRef idx="0">
+            <a:schemeClr val="accent1"/>
+          </a:effectRef>
+          <a:fontRef idx="minor">
+            <a:schemeClr val="dk1"/>
+          </a:fontRef>
+        </p:style>
+        <p:txBody>
+          <a:bodyPr lIns="0" tIns="0" rIns="0" bIns="0" rtlCol="0" anchor="ctr"/>
+          <a:lstStyle/>
+          <a:p>
+            <a:pPr algn="ctr"/>
+            <a:r>
+              <a:rPr lang="en-US" altLang="ko-KR" sz="900" dirty="0" err="1"/>
+              <a:t>ap.h</a:t>
+            </a:r>
+            <a:endParaRPr lang="ko-KR" altLang="en-US" sz="900" dirty="0"/>
+          </a:p>
+        </p:txBody>
+      </p:sp>
+      <p:sp>
+        <p:nvSpPr>
+          <p:cNvPr id="7" name="사각형: 둥근 모서리 6">
+            <a:extLst>
+              <a:ext uri="{FF2B5EF4-FFF2-40B4-BE49-F238E27FC236}">
+                <a16:creationId xmlns:a16="http://schemas.microsoft.com/office/drawing/2014/main" id="{F0C6806C-FDE7-641D-B3EC-03208F1E3F75}"/>
+              </a:ext>
+            </a:extLst>
+          </p:cNvPr>
+          <p:cNvSpPr/>
+          <p:nvPr/>
+        </p:nvSpPr>
+        <p:spPr>
+          <a:xfrm>
+            <a:off x="4658131" y="1318407"/>
+            <a:ext cx="1367367" cy="358531"/>
+          </a:xfrm>
+          <a:prstGeom prst="roundRect">
+            <a:avLst/>
+          </a:prstGeom>
+        </p:spPr>
+        <p:style>
+          <a:lnRef idx="2">
+            <a:schemeClr val="accent1"/>
+          </a:lnRef>
+          <a:fillRef idx="1">
+            <a:schemeClr val="lt1"/>
+          </a:fillRef>
+          <a:effectRef idx="0">
+            <a:schemeClr val="accent1"/>
+          </a:effectRef>
+          <a:fontRef idx="minor">
+            <a:schemeClr val="dk1"/>
+          </a:fontRef>
+        </p:style>
+        <p:txBody>
+          <a:bodyPr lIns="0" tIns="0" rIns="0" bIns="0" rtlCol="0" anchor="ctr"/>
+          <a:lstStyle/>
+          <a:p>
+            <a:pPr algn="ctr"/>
+            <a:r>
+              <a:rPr lang="en-US" altLang="ko-KR" sz="900" dirty="0" err="1"/>
+              <a:t>sys_def.h</a:t>
+            </a:r>
+            <a:endParaRPr lang="ko-KR" altLang="en-US" sz="900" dirty="0"/>
+          </a:p>
+        </p:txBody>
+      </p:sp>
+      <p:sp>
+        <p:nvSpPr>
+          <p:cNvPr id="8" name="사각형: 둥근 모서리 7">
+            <a:extLst>
+              <a:ext uri="{FF2B5EF4-FFF2-40B4-BE49-F238E27FC236}">
+                <a16:creationId xmlns:a16="http://schemas.microsoft.com/office/drawing/2014/main" id="{61ACAC1C-7015-11B5-2C32-1640BADC9CB4}"/>
+              </a:ext>
+            </a:extLst>
+          </p:cNvPr>
+          <p:cNvSpPr/>
+          <p:nvPr/>
+        </p:nvSpPr>
+        <p:spPr>
+          <a:xfrm>
+            <a:off x="2187812" y="3070469"/>
+            <a:ext cx="1367367" cy="358531"/>
+          </a:xfrm>
+          <a:prstGeom prst="roundRect">
+            <a:avLst/>
+          </a:prstGeom>
+        </p:spPr>
+        <p:style>
+          <a:lnRef idx="2">
+            <a:schemeClr val="accent1"/>
+          </a:lnRef>
+          <a:fillRef idx="1">
+            <a:schemeClr val="lt1"/>
+          </a:fillRef>
+          <a:effectRef idx="0">
+            <a:schemeClr val="accent1"/>
+          </a:effectRef>
+          <a:fontRef idx="minor">
+            <a:schemeClr val="dk1"/>
+          </a:fontRef>
+        </p:style>
+        <p:txBody>
+          <a:bodyPr lIns="0" tIns="0" rIns="0" bIns="0" rtlCol="0" anchor="ctr"/>
+          <a:lstStyle/>
+          <a:p>
+            <a:pPr algn="ctr"/>
+            <a:r>
+              <a:rPr lang="en-US" altLang="ko-KR" sz="900" dirty="0" err="1"/>
+              <a:t>hw.h</a:t>
+            </a:r>
+            <a:endParaRPr lang="ko-KR" altLang="en-US" sz="900" dirty="0"/>
+          </a:p>
+        </p:txBody>
+      </p:sp>
+      <p:cxnSp>
+        <p:nvCxnSpPr>
+          <p:cNvPr id="12" name="직선 화살표 연결선 11">
+            <a:extLst>
+              <a:ext uri="{FF2B5EF4-FFF2-40B4-BE49-F238E27FC236}">
+                <a16:creationId xmlns:a16="http://schemas.microsoft.com/office/drawing/2014/main" id="{1A258516-88A5-0E35-8648-EA0868ADC89D}"/>
+              </a:ext>
+            </a:extLst>
+          </p:cNvPr>
+          <p:cNvCxnSpPr>
+            <a:cxnSpLocks/>
+          </p:cNvCxnSpPr>
+          <p:nvPr/>
+        </p:nvCxnSpPr>
+        <p:spPr>
+          <a:xfrm flipV="1">
+            <a:off x="1165931" y="3429000"/>
+            <a:ext cx="0" cy="1051304"/>
+          </a:xfrm>
+          <a:prstGeom prst="straightConnector1">
+            <a:avLst/>
+          </a:prstGeom>
+          <a:ln>
+            <a:tailEnd type="triangle"/>
+          </a:ln>
+        </p:spPr>
+        <p:style>
+          <a:lnRef idx="1">
+            <a:schemeClr val="accent1"/>
+          </a:lnRef>
+          <a:fillRef idx="0">
+            <a:schemeClr val="accent1"/>
+          </a:fillRef>
+          <a:effectRef idx="0">
+            <a:schemeClr val="accent1"/>
+          </a:effectRef>
+          <a:fontRef idx="minor">
+            <a:schemeClr val="tx1"/>
+          </a:fontRef>
+        </p:style>
+      </p:cxnSp>
+      <p:sp>
+        <p:nvSpPr>
+          <p:cNvPr id="13" name="사각형: 둥근 모서리 12">
+            <a:extLst>
+              <a:ext uri="{FF2B5EF4-FFF2-40B4-BE49-F238E27FC236}">
+                <a16:creationId xmlns:a16="http://schemas.microsoft.com/office/drawing/2014/main" id="{DA936EC4-599D-C06E-5968-CC23E86DA0DB}"/>
+              </a:ext>
+            </a:extLst>
+          </p:cNvPr>
+          <p:cNvSpPr/>
+          <p:nvPr/>
+        </p:nvSpPr>
+        <p:spPr>
+          <a:xfrm>
+            <a:off x="6709182" y="1318408"/>
+            <a:ext cx="1367367" cy="358531"/>
+          </a:xfrm>
+          <a:prstGeom prst="roundRect">
+            <a:avLst/>
+          </a:prstGeom>
+        </p:spPr>
+        <p:style>
+          <a:lnRef idx="2">
+            <a:schemeClr val="accent1"/>
+          </a:lnRef>
+          <a:fillRef idx="1">
+            <a:schemeClr val="lt1"/>
+          </a:fillRef>
+          <a:effectRef idx="0">
+            <a:schemeClr val="accent1"/>
+          </a:effectRef>
+          <a:fontRef idx="minor">
+            <a:schemeClr val="dk1"/>
+          </a:fontRef>
+        </p:style>
+        <p:txBody>
+          <a:bodyPr lIns="0" tIns="0" rIns="0" bIns="0" rtlCol="0" anchor="ctr"/>
+          <a:lstStyle/>
+          <a:p>
+            <a:pPr algn="ctr"/>
+            <a:r>
+              <a:rPr lang="en-US" altLang="ko-KR" sz="900" dirty="0" err="1"/>
+              <a:t>def.h</a:t>
+            </a:r>
+            <a:endParaRPr lang="ko-KR" altLang="en-US" sz="900" dirty="0"/>
+          </a:p>
+        </p:txBody>
+      </p:sp>
+      <p:sp>
+        <p:nvSpPr>
+          <p:cNvPr id="14" name="사각형: 둥근 모서리 13">
+            <a:extLst>
+              <a:ext uri="{FF2B5EF4-FFF2-40B4-BE49-F238E27FC236}">
+                <a16:creationId xmlns:a16="http://schemas.microsoft.com/office/drawing/2014/main" id="{4A0C5C13-2CBB-4385-32B1-4DE1B7BA716F}"/>
+              </a:ext>
+            </a:extLst>
+          </p:cNvPr>
+          <p:cNvSpPr/>
+          <p:nvPr/>
+        </p:nvSpPr>
+        <p:spPr>
+          <a:xfrm>
+            <a:off x="3860591" y="3070469"/>
+            <a:ext cx="1367367" cy="358531"/>
+          </a:xfrm>
+          <a:prstGeom prst="roundRect">
+            <a:avLst/>
+          </a:prstGeom>
+        </p:spPr>
+        <p:style>
+          <a:lnRef idx="2">
+            <a:schemeClr val="accent1"/>
+          </a:lnRef>
+          <a:fillRef idx="1">
+            <a:schemeClr val="lt1"/>
+          </a:fillRef>
+          <a:effectRef idx="0">
+            <a:schemeClr val="accent1"/>
+          </a:effectRef>
+          <a:fontRef idx="minor">
+            <a:schemeClr val="dk1"/>
+          </a:fontRef>
+        </p:style>
+        <p:txBody>
+          <a:bodyPr lIns="0" tIns="0" rIns="0" bIns="0" rtlCol="0" anchor="ctr"/>
+          <a:lstStyle/>
+          <a:p>
+            <a:pPr algn="ctr"/>
+            <a:r>
+              <a:rPr lang="en-US" altLang="ko-KR" sz="900" dirty="0" err="1"/>
+              <a:t>hw_def.h</a:t>
+            </a:r>
+            <a:endParaRPr lang="ko-KR" altLang="en-US" sz="900" dirty="0"/>
+          </a:p>
+        </p:txBody>
+      </p:sp>
+      <p:cxnSp>
+        <p:nvCxnSpPr>
+          <p:cNvPr id="15" name="직선 화살표 연결선 14">
+            <a:extLst>
+              <a:ext uri="{FF2B5EF4-FFF2-40B4-BE49-F238E27FC236}">
+                <a16:creationId xmlns:a16="http://schemas.microsoft.com/office/drawing/2014/main" id="{C8ACDB26-61DA-1715-3C33-64C4A44C93BB}"/>
+              </a:ext>
+            </a:extLst>
+          </p:cNvPr>
+          <p:cNvCxnSpPr>
+            <a:cxnSpLocks/>
+            <a:stCxn id="5" idx="3"/>
+            <a:endCxn id="8" idx="1"/>
+          </p:cNvCxnSpPr>
+          <p:nvPr/>
+        </p:nvCxnSpPr>
+        <p:spPr>
+          <a:xfrm>
+            <a:off x="1858371" y="3249735"/>
+            <a:ext cx="329441" cy="0"/>
+          </a:xfrm>
+          <a:prstGeom prst="straightConnector1">
+            <a:avLst/>
+          </a:prstGeom>
+          <a:ln>
+            <a:tailEnd type="triangle"/>
+          </a:ln>
+        </p:spPr>
+        <p:style>
+          <a:lnRef idx="1">
+            <a:schemeClr val="accent1"/>
+          </a:lnRef>
+          <a:fillRef idx="0">
+            <a:schemeClr val="accent1"/>
+          </a:fillRef>
+          <a:effectRef idx="0">
+            <a:schemeClr val="accent1"/>
+          </a:effectRef>
+          <a:fontRef idx="minor">
+            <a:schemeClr val="tx1"/>
+          </a:fontRef>
+        </p:style>
+      </p:cxnSp>
+      <p:cxnSp>
+        <p:nvCxnSpPr>
+          <p:cNvPr id="16" name="직선 화살표 연결선 15">
+            <a:extLst>
+              <a:ext uri="{FF2B5EF4-FFF2-40B4-BE49-F238E27FC236}">
+                <a16:creationId xmlns:a16="http://schemas.microsoft.com/office/drawing/2014/main" id="{A37782CC-8D8D-1945-0077-153779506A90}"/>
+              </a:ext>
+            </a:extLst>
+          </p:cNvPr>
+          <p:cNvCxnSpPr>
+            <a:cxnSpLocks/>
+            <a:stCxn id="8" idx="3"/>
+            <a:endCxn id="14" idx="1"/>
+          </p:cNvCxnSpPr>
+          <p:nvPr/>
+        </p:nvCxnSpPr>
+        <p:spPr>
+          <a:xfrm>
+            <a:off x="3555179" y="3249735"/>
+            <a:ext cx="305412" cy="0"/>
+          </a:xfrm>
+          <a:prstGeom prst="straightConnector1">
+            <a:avLst/>
+          </a:prstGeom>
+          <a:ln>
+            <a:tailEnd type="triangle"/>
+          </a:ln>
+        </p:spPr>
+        <p:style>
+          <a:lnRef idx="1">
+            <a:schemeClr val="accent1"/>
+          </a:lnRef>
+          <a:fillRef idx="0">
+            <a:schemeClr val="accent1"/>
+          </a:fillRef>
+          <a:effectRef idx="0">
+            <a:schemeClr val="accent1"/>
+          </a:effectRef>
+          <a:fontRef idx="minor">
+            <a:schemeClr val="tx1"/>
+          </a:fontRef>
+        </p:style>
+      </p:cxnSp>
+      <p:cxnSp>
+        <p:nvCxnSpPr>
+          <p:cNvPr id="18" name="직선 화살표 연결선 17">
+            <a:extLst>
+              <a:ext uri="{FF2B5EF4-FFF2-40B4-BE49-F238E27FC236}">
+                <a16:creationId xmlns:a16="http://schemas.microsoft.com/office/drawing/2014/main" id="{E935CE2D-ACC5-9986-E54B-BDB74BDFCE51}"/>
+              </a:ext>
+            </a:extLst>
+          </p:cNvPr>
+          <p:cNvCxnSpPr>
+            <a:cxnSpLocks/>
+            <a:stCxn id="7" idx="3"/>
+            <a:endCxn id="13" idx="1"/>
+          </p:cNvCxnSpPr>
+          <p:nvPr/>
+        </p:nvCxnSpPr>
+        <p:spPr>
+          <a:xfrm>
+            <a:off x="6025498" y="1497673"/>
+            <a:ext cx="683684" cy="1"/>
+          </a:xfrm>
+          <a:prstGeom prst="straightConnector1">
+            <a:avLst/>
+          </a:prstGeom>
+          <a:ln>
+            <a:tailEnd type="triangle"/>
+          </a:ln>
+        </p:spPr>
+        <p:style>
+          <a:lnRef idx="1">
+            <a:schemeClr val="accent1"/>
+          </a:lnRef>
+          <a:fillRef idx="0">
+            <a:schemeClr val="accent1"/>
+          </a:fillRef>
+          <a:effectRef idx="0">
+            <a:schemeClr val="accent1"/>
+          </a:effectRef>
+          <a:fontRef idx="minor">
+            <a:schemeClr val="tx1"/>
+          </a:fontRef>
+        </p:style>
+      </p:cxnSp>
+      <p:sp>
+        <p:nvSpPr>
+          <p:cNvPr id="19" name="사각형: 둥근 모서리 18">
+            <a:extLst>
+              <a:ext uri="{FF2B5EF4-FFF2-40B4-BE49-F238E27FC236}">
+                <a16:creationId xmlns:a16="http://schemas.microsoft.com/office/drawing/2014/main" id="{8BBDFCD9-7385-5064-9922-3EDC2EDA921C}"/>
+              </a:ext>
+            </a:extLst>
+          </p:cNvPr>
+          <p:cNvSpPr/>
+          <p:nvPr/>
+        </p:nvSpPr>
+        <p:spPr>
+          <a:xfrm>
+            <a:off x="491004" y="406007"/>
+            <a:ext cx="1367367" cy="358531"/>
+          </a:xfrm>
+          <a:prstGeom prst="roundRect">
+            <a:avLst/>
+          </a:prstGeom>
+        </p:spPr>
+        <p:style>
+          <a:lnRef idx="2">
+            <a:schemeClr val="accent1"/>
+          </a:lnRef>
+          <a:fillRef idx="1">
+            <a:schemeClr val="lt1"/>
+          </a:fillRef>
+          <a:effectRef idx="0">
+            <a:schemeClr val="accent1"/>
+          </a:effectRef>
+          <a:fontRef idx="minor">
+            <a:schemeClr val="dk1"/>
+          </a:fontRef>
+        </p:style>
+        <p:txBody>
+          <a:bodyPr lIns="0" tIns="0" rIns="0" bIns="0" rtlCol="0" anchor="ctr"/>
+          <a:lstStyle/>
+          <a:p>
+            <a:pPr algn="ctr"/>
+            <a:r>
+              <a:rPr lang="en-US" altLang="ko-KR" sz="900"/>
+              <a:t>main.</a:t>
+            </a:r>
+            <a:r>
+              <a:rPr lang="en-US" altLang="ko-KR" sz="900" dirty="0" err="1"/>
+              <a:t>h</a:t>
+            </a:r>
+            <a:endParaRPr lang="ko-KR" altLang="en-US" sz="900" dirty="0"/>
+          </a:p>
+        </p:txBody>
+      </p:sp>
+      <p:sp>
+        <p:nvSpPr>
+          <p:cNvPr id="20" name="사각형: 둥근 모서리 19">
+            <a:extLst>
+              <a:ext uri="{FF2B5EF4-FFF2-40B4-BE49-F238E27FC236}">
+                <a16:creationId xmlns:a16="http://schemas.microsoft.com/office/drawing/2014/main" id="{862984D5-D3A2-0C94-B5F1-BCE4BEC09262}"/>
+              </a:ext>
+            </a:extLst>
+          </p:cNvPr>
+          <p:cNvSpPr/>
+          <p:nvPr/>
+        </p:nvSpPr>
+        <p:spPr>
+          <a:xfrm>
+            <a:off x="2222761" y="1319618"/>
+            <a:ext cx="1367367" cy="358531"/>
+          </a:xfrm>
+          <a:prstGeom prst="roundRect">
+            <a:avLst/>
+          </a:prstGeom>
+        </p:spPr>
+        <p:style>
+          <a:lnRef idx="2">
+            <a:schemeClr val="accent1"/>
+          </a:lnRef>
+          <a:fillRef idx="1">
+            <a:schemeClr val="lt1"/>
+          </a:fillRef>
+          <a:effectRef idx="0">
+            <a:schemeClr val="accent1"/>
+          </a:effectRef>
+          <a:fontRef idx="minor">
+            <a:schemeClr val="dk1"/>
+          </a:fontRef>
+        </p:style>
+        <p:txBody>
+          <a:bodyPr lIns="0" tIns="0" rIns="0" bIns="0" rtlCol="0" anchor="ctr"/>
+          <a:lstStyle/>
+          <a:p>
+            <a:pPr algn="ctr"/>
+            <a:r>
+              <a:rPr lang="en-US" altLang="ko-KR" sz="900" dirty="0" err="1"/>
+              <a:t>sys.h</a:t>
+            </a:r>
+            <a:endParaRPr lang="ko-KR" altLang="en-US" sz="900" dirty="0"/>
+          </a:p>
+        </p:txBody>
+      </p:sp>
+      <p:sp>
+        <p:nvSpPr>
+          <p:cNvPr id="22" name="사각형: 둥근 모서리 21">
+            <a:extLst>
+              <a:ext uri="{FF2B5EF4-FFF2-40B4-BE49-F238E27FC236}">
+                <a16:creationId xmlns:a16="http://schemas.microsoft.com/office/drawing/2014/main" id="{50025A3F-A836-6C82-1189-0EEA29573600}"/>
+              </a:ext>
+            </a:extLst>
+          </p:cNvPr>
+          <p:cNvSpPr/>
+          <p:nvPr/>
+        </p:nvSpPr>
+        <p:spPr>
+          <a:xfrm>
+            <a:off x="4658132" y="1718415"/>
+            <a:ext cx="1367367" cy="358531"/>
+          </a:xfrm>
+          <a:prstGeom prst="roundRect">
+            <a:avLst/>
+          </a:prstGeom>
+        </p:spPr>
+        <p:style>
+          <a:lnRef idx="2">
+            <a:schemeClr val="accent1"/>
+          </a:lnRef>
+          <a:fillRef idx="1">
+            <a:schemeClr val="lt1"/>
+          </a:fillRef>
+          <a:effectRef idx="0">
+            <a:schemeClr val="accent1"/>
+          </a:effectRef>
+          <a:fontRef idx="minor">
+            <a:schemeClr val="dk1"/>
+          </a:fontRef>
+        </p:style>
+        <p:txBody>
+          <a:bodyPr lIns="0" tIns="0" rIns="0" bIns="0" rtlCol="0" anchor="ctr"/>
+          <a:lstStyle/>
+          <a:p>
+            <a:pPr algn="ctr"/>
+            <a:r>
+              <a:rPr lang="en-US" altLang="ko-KR" sz="900" dirty="0" err="1"/>
+              <a:t>util.h</a:t>
+            </a:r>
+            <a:endParaRPr lang="ko-KR" altLang="en-US" sz="900" dirty="0"/>
+          </a:p>
+        </p:txBody>
+      </p:sp>
+      <p:sp>
+        <p:nvSpPr>
+          <p:cNvPr id="23" name="사각형: 둥근 모서리 22">
+            <a:extLst>
+              <a:ext uri="{FF2B5EF4-FFF2-40B4-BE49-F238E27FC236}">
+                <a16:creationId xmlns:a16="http://schemas.microsoft.com/office/drawing/2014/main" id="{6EBD8CBB-B26F-DA59-D7E4-13DD6DF97DB4}"/>
+              </a:ext>
+            </a:extLst>
+          </p:cNvPr>
+          <p:cNvSpPr/>
+          <p:nvPr/>
+        </p:nvSpPr>
+        <p:spPr>
+          <a:xfrm>
+            <a:off x="4658131" y="2121394"/>
+            <a:ext cx="1367367" cy="358531"/>
+          </a:xfrm>
+          <a:prstGeom prst="roundRect">
+            <a:avLst/>
+          </a:prstGeom>
+        </p:spPr>
+        <p:style>
+          <a:lnRef idx="2">
+            <a:schemeClr val="accent1"/>
+          </a:lnRef>
+          <a:fillRef idx="1">
+            <a:schemeClr val="lt1"/>
+          </a:fillRef>
+          <a:effectRef idx="0">
+            <a:schemeClr val="accent1"/>
+          </a:effectRef>
+          <a:fontRef idx="minor">
+            <a:schemeClr val="dk1"/>
+          </a:fontRef>
+        </p:style>
+        <p:txBody>
+          <a:bodyPr lIns="0" tIns="0" rIns="0" bIns="0" rtlCol="0" anchor="ctr"/>
+          <a:lstStyle/>
+          <a:p>
+            <a:pPr algn="ctr"/>
+            <a:r>
+              <a:rPr lang="en-US" altLang="ko-KR" sz="900" dirty="0" err="1"/>
+              <a:t>cli.h</a:t>
+            </a:r>
+            <a:endParaRPr lang="ko-KR" altLang="en-US" sz="900" dirty="0"/>
+          </a:p>
+        </p:txBody>
+      </p:sp>
+      <p:sp>
+        <p:nvSpPr>
+          <p:cNvPr id="24" name="사각형: 둥근 모서리 23">
+            <a:extLst>
+              <a:ext uri="{FF2B5EF4-FFF2-40B4-BE49-F238E27FC236}">
+                <a16:creationId xmlns:a16="http://schemas.microsoft.com/office/drawing/2014/main" id="{D6323C7C-81B5-A911-A04D-A22FF54EBD48}"/>
+              </a:ext>
+            </a:extLst>
+          </p:cNvPr>
+          <p:cNvSpPr/>
+          <p:nvPr/>
+        </p:nvSpPr>
+        <p:spPr>
+          <a:xfrm>
+            <a:off x="4658131" y="2524373"/>
+            <a:ext cx="1367367" cy="358531"/>
+          </a:xfrm>
+          <a:prstGeom prst="roundRect">
+            <a:avLst/>
+          </a:prstGeom>
+        </p:spPr>
+        <p:style>
+          <a:lnRef idx="2">
+            <a:schemeClr val="accent1"/>
+          </a:lnRef>
+          <a:fillRef idx="1">
+            <a:schemeClr val="lt1"/>
+          </a:fillRef>
+          <a:effectRef idx="0">
+            <a:schemeClr val="accent1"/>
+          </a:effectRef>
+          <a:fontRef idx="minor">
+            <a:schemeClr val="dk1"/>
+          </a:fontRef>
+        </p:style>
+        <p:txBody>
+          <a:bodyPr lIns="0" tIns="0" rIns="0" bIns="0" rtlCol="0" anchor="ctr"/>
+          <a:lstStyle/>
+          <a:p>
+            <a:pPr algn="ctr"/>
+            <a:r>
+              <a:rPr lang="en-US" altLang="ko-KR" sz="900" dirty="0" err="1"/>
+              <a:t>syslog.h</a:t>
+            </a:r>
+            <a:endParaRPr lang="ko-KR" altLang="en-US" sz="900" dirty="0"/>
+          </a:p>
+        </p:txBody>
+      </p:sp>
+      <p:cxnSp>
+        <p:nvCxnSpPr>
+          <p:cNvPr id="25" name="연결선: 꺾임 24">
+            <a:extLst>
+              <a:ext uri="{FF2B5EF4-FFF2-40B4-BE49-F238E27FC236}">
+                <a16:creationId xmlns:a16="http://schemas.microsoft.com/office/drawing/2014/main" id="{BE45523A-B12C-4E87-CB3D-06C23998996D}"/>
+              </a:ext>
+            </a:extLst>
+          </p:cNvPr>
+          <p:cNvCxnSpPr>
+            <a:cxnSpLocks/>
+            <a:stCxn id="4" idx="3"/>
+            <a:endCxn id="20" idx="3"/>
+          </p:cNvCxnSpPr>
+          <p:nvPr/>
+        </p:nvCxnSpPr>
+        <p:spPr>
+          <a:xfrm flipV="1">
+            <a:off x="1858371" y="1498884"/>
+            <a:ext cx="1731757" cy="928474"/>
+          </a:xfrm>
+          <a:prstGeom prst="bentConnector3">
+            <a:avLst>
+              <a:gd name="adj1" fmla="val 113200"/>
+            </a:avLst>
+          </a:prstGeom>
+          <a:ln>
+            <a:headEnd type="none" w="med" len="med"/>
+            <a:tailEnd type="none" w="med" len="med"/>
+          </a:ln>
+        </p:spPr>
+        <p:style>
+          <a:lnRef idx="1">
+            <a:schemeClr val="accent1"/>
+          </a:lnRef>
+          <a:fillRef idx="0">
+            <a:schemeClr val="accent1"/>
+          </a:fillRef>
+          <a:effectRef idx="0">
+            <a:schemeClr val="accent1"/>
+          </a:effectRef>
+          <a:fontRef idx="minor">
+            <a:schemeClr val="tx1"/>
+          </a:fontRef>
+        </p:style>
+      </p:cxnSp>
+      <p:cxnSp>
+        <p:nvCxnSpPr>
+          <p:cNvPr id="26" name="직선 화살표 연결선 25">
+            <a:extLst>
+              <a:ext uri="{FF2B5EF4-FFF2-40B4-BE49-F238E27FC236}">
+                <a16:creationId xmlns:a16="http://schemas.microsoft.com/office/drawing/2014/main" id="{FE614F5A-0DA9-046F-C7C5-34D4D96BC551}"/>
+              </a:ext>
+            </a:extLst>
+          </p:cNvPr>
+          <p:cNvCxnSpPr>
+            <a:cxnSpLocks/>
+            <a:stCxn id="20" idx="3"/>
+            <a:endCxn id="7" idx="1"/>
+          </p:cNvCxnSpPr>
+          <p:nvPr/>
+        </p:nvCxnSpPr>
+        <p:spPr>
+          <a:xfrm flipV="1">
+            <a:off x="3590128" y="1497673"/>
+            <a:ext cx="1068003" cy="1211"/>
+          </a:xfrm>
+          <a:prstGeom prst="straightConnector1">
+            <a:avLst/>
+          </a:prstGeom>
+          <a:ln>
+            <a:tailEnd type="triangle"/>
+          </a:ln>
+        </p:spPr>
+        <p:style>
+          <a:lnRef idx="1">
+            <a:schemeClr val="accent1"/>
+          </a:lnRef>
+          <a:fillRef idx="0">
+            <a:schemeClr val="accent1"/>
+          </a:fillRef>
+          <a:effectRef idx="0">
+            <a:schemeClr val="accent1"/>
+          </a:effectRef>
+          <a:fontRef idx="minor">
+            <a:schemeClr val="tx1"/>
+          </a:fontRef>
+        </p:style>
+      </p:cxnSp>
+      <p:sp>
+        <p:nvSpPr>
+          <p:cNvPr id="39" name="사각형: 둥근 모서리 38">
+            <a:extLst>
+              <a:ext uri="{FF2B5EF4-FFF2-40B4-BE49-F238E27FC236}">
+                <a16:creationId xmlns:a16="http://schemas.microsoft.com/office/drawing/2014/main" id="{1D6BFD06-91D3-E1D3-F71F-4FD90DD81A22}"/>
+              </a:ext>
+            </a:extLst>
+          </p:cNvPr>
+          <p:cNvSpPr/>
+          <p:nvPr/>
+        </p:nvSpPr>
+        <p:spPr>
+          <a:xfrm>
+            <a:off x="2187812" y="3539248"/>
+            <a:ext cx="1367367" cy="358531"/>
+          </a:xfrm>
+          <a:prstGeom prst="roundRect">
+            <a:avLst/>
+          </a:prstGeom>
+        </p:spPr>
+        <p:style>
+          <a:lnRef idx="2">
+            <a:schemeClr val="accent1"/>
+          </a:lnRef>
+          <a:fillRef idx="1">
+            <a:schemeClr val="lt1"/>
+          </a:fillRef>
+          <a:effectRef idx="0">
+            <a:schemeClr val="accent1"/>
+          </a:effectRef>
+          <a:fontRef idx="minor">
+            <a:schemeClr val="dk1"/>
+          </a:fontRef>
+        </p:style>
+        <p:txBody>
+          <a:bodyPr lIns="0" tIns="0" rIns="0" bIns="0" rtlCol="0" anchor="ctr"/>
+          <a:lstStyle/>
+          <a:p>
+            <a:pPr algn="ctr"/>
+            <a:r>
+              <a:rPr lang="en-US" altLang="ko-KR" sz="900" dirty="0"/>
+              <a:t>hwObj1.h …</a:t>
+            </a:r>
+            <a:endParaRPr lang="ko-KR" altLang="en-US" sz="900" dirty="0"/>
+          </a:p>
+        </p:txBody>
+      </p:sp>
+      <p:sp>
+        <p:nvSpPr>
+          <p:cNvPr id="40" name="사각형: 둥근 모서리 39">
+            <a:extLst>
+              <a:ext uri="{FF2B5EF4-FFF2-40B4-BE49-F238E27FC236}">
+                <a16:creationId xmlns:a16="http://schemas.microsoft.com/office/drawing/2014/main" id="{F8522670-897F-EDFE-266F-22E8DAFE47E3}"/>
+              </a:ext>
+            </a:extLst>
+          </p:cNvPr>
+          <p:cNvSpPr/>
+          <p:nvPr/>
+        </p:nvSpPr>
+        <p:spPr>
+          <a:xfrm>
+            <a:off x="2187812" y="4012028"/>
+            <a:ext cx="1367367" cy="358531"/>
+          </a:xfrm>
+          <a:prstGeom prst="roundRect">
+            <a:avLst/>
+          </a:prstGeom>
+        </p:spPr>
+        <p:style>
+          <a:lnRef idx="2">
+            <a:schemeClr val="accent1"/>
+          </a:lnRef>
+          <a:fillRef idx="1">
+            <a:schemeClr val="lt1"/>
+          </a:fillRef>
+          <a:effectRef idx="0">
+            <a:schemeClr val="accent1"/>
+          </a:effectRef>
+          <a:fontRef idx="minor">
+            <a:schemeClr val="dk1"/>
+          </a:fontRef>
+        </p:style>
+        <p:txBody>
+          <a:bodyPr lIns="0" tIns="0" rIns="0" bIns="0" rtlCol="0" anchor="ctr"/>
+          <a:lstStyle/>
+          <a:p>
+            <a:pPr algn="ctr"/>
+            <a:r>
+              <a:rPr lang="en-US" altLang="ko-KR" sz="900" dirty="0"/>
+              <a:t>hwObj2.h …</a:t>
+            </a:r>
+            <a:endParaRPr lang="ko-KR" altLang="en-US" sz="900" dirty="0"/>
+          </a:p>
+        </p:txBody>
+      </p:sp>
+    </p:spTree>
+    <p:extLst>
+      <p:ext uri="{BB962C8B-B14F-4D97-AF65-F5344CB8AC3E}">
+        <p14:creationId xmlns:p14="http://schemas.microsoft.com/office/powerpoint/2010/main" val="1699190464"/>
       </p:ext>
     </p:extLst>
   </p:cSld>
